--- a/Cases/Presentation/CDX_Skew.pptx
+++ b/Cases/Presentation/CDX_Skew.pptx
@@ -1010,7 +1010,7 @@
           <a:graphicData uri="http://schemas.openxmlformats.org/presentationml/2006/ole">
             <mc:AlternateContent xmlns:mc="http://schemas.openxmlformats.org/markup-compatibility/2006">
               <mc:Choice xmlns:v="urn:schemas-microsoft-com:vml" Requires="v">
-                <p:oleObj spid="_x0000_s359856" name="think-cell Slide" r:id="rId4" imgW="270" imgH="270" progId="TCLayout.ActiveDocument.1">
+                <p:oleObj spid="_x0000_s359858" name="think-cell Slide" r:id="rId4" imgW="270" imgH="270" progId="TCLayout.ActiveDocument.1">
                   <p:embed/>
                 </p:oleObj>
               </mc:Choice>
@@ -1473,7 +1473,7 @@
           <a:graphicData uri="http://schemas.openxmlformats.org/presentationml/2006/ole">
             <mc:AlternateContent xmlns:mc="http://schemas.openxmlformats.org/markup-compatibility/2006">
               <mc:Choice xmlns:v="urn:schemas-microsoft-com:vml" Requires="v">
-                <p:oleObj spid="_x0000_s358840" name="think-cell Slide" r:id="rId4" imgW="270" imgH="270" progId="TCLayout.ActiveDocument.1">
+                <p:oleObj spid="_x0000_s358842" name="think-cell Slide" r:id="rId4" imgW="270" imgH="270" progId="TCLayout.ActiveDocument.1">
                   <p:embed/>
                 </p:oleObj>
               </mc:Choice>
@@ -1726,7 +1726,7 @@
           <a:graphicData uri="http://schemas.openxmlformats.org/presentationml/2006/ole">
             <mc:AlternateContent xmlns:mc="http://schemas.openxmlformats.org/markup-compatibility/2006">
               <mc:Choice xmlns:v="urn:schemas-microsoft-com:vml" Requires="v">
-                <p:oleObj spid="_x0000_s360879" name="think-cell Slide" r:id="rId4" imgW="270" imgH="270" progId="TCLayout.ActiveDocument.1">
+                <p:oleObj spid="_x0000_s360881" name="think-cell Slide" r:id="rId4" imgW="270" imgH="270" progId="TCLayout.ActiveDocument.1">
                   <p:embed/>
                 </p:oleObj>
               </mc:Choice>
@@ -1983,7 +1983,7 @@
           <a:graphicData uri="http://schemas.openxmlformats.org/presentationml/2006/ole">
             <mc:AlternateContent xmlns:mc="http://schemas.openxmlformats.org/markup-compatibility/2006">
               <mc:Choice xmlns:v="urn:schemas-microsoft-com:vml" Requires="v">
-                <p:oleObj spid="_x0000_s357822" name="think-cell Slide" r:id="rId7" imgW="360" imgH="360" progId="TCLayout.ActiveDocument.1">
+                <p:oleObj spid="_x0000_s357824" name="think-cell Slide" r:id="rId7" imgW="360" imgH="360" progId="TCLayout.ActiveDocument.1">
                   <p:embed/>
                 </p:oleObj>
               </mc:Choice>
@@ -3105,8 +3105,8 @@
           </a:p>
         </p:txBody>
       </p:sp>
-      <mc:AlternateContent xmlns:mc="http://schemas.openxmlformats.org/markup-compatibility/2006">
-        <mc:Choice xmlns:a14="http://schemas.microsoft.com/office/drawing/2010/main" Requires="a14">
+      <mc:AlternateContent xmlns:mc="http://schemas.openxmlformats.org/markup-compatibility/2006" xmlns:a14="http://schemas.microsoft.com/office/drawing/2010/main">
+        <mc:Choice Requires="a14">
           <p:sp>
             <p:nvSpPr>
               <p:cNvPr id="15" name="TextBox 14"/>
@@ -3282,7 +3282,7 @@
             </p:txBody>
           </p:sp>
         </mc:Choice>
-        <mc:Fallback>
+        <mc:Fallback xmlns="">
           <p:sp>
             <p:nvSpPr>
               <p:cNvPr id="15" name="TextBox 14"/>
@@ -3400,8 +3400,8 @@
           </a:p>
         </p:txBody>
       </p:sp>
-      <mc:AlternateContent xmlns:mc="http://schemas.openxmlformats.org/markup-compatibility/2006">
-        <mc:Choice xmlns:a14="http://schemas.microsoft.com/office/drawing/2010/main" Requires="a14">
+      <mc:AlternateContent xmlns:mc="http://schemas.openxmlformats.org/markup-compatibility/2006" xmlns:a14="http://schemas.microsoft.com/office/drawing/2010/main">
+        <mc:Choice Requires="a14">
           <p:sp>
             <p:nvSpPr>
               <p:cNvPr id="18" name="TextBox 17"/>
@@ -3568,7 +3568,7 @@
             </p:txBody>
           </p:sp>
         </mc:Choice>
-        <mc:Fallback>
+        <mc:Fallback xmlns="">
           <p:sp>
             <p:nvSpPr>
               <p:cNvPr id="18" name="TextBox 17"/>
@@ -5115,15 +5115,7 @@
                   <a:schemeClr val="tx2"/>
                 </a:solidFill>
               </a:rPr>
-              <a:t>First, w</a:t>
-            </a:r>
-            <a:r>
-              <a:rPr lang="en-US" sz="1600" b="1" dirty="0" smtClean="0">
-                <a:solidFill>
-                  <a:schemeClr val="tx2"/>
-                </a:solidFill>
-              </a:rPr>
-              <a:t>hat </a:t>
+              <a:t>First, what </a:t>
             </a:r>
             <a:r>
               <a:rPr lang="en-US" sz="1600" b="1" dirty="0">
@@ -6396,7 +6388,7 @@
           <a:graphicData uri="http://schemas.openxmlformats.org/presentationml/2006/ole">
             <mc:AlternateContent xmlns:mc="http://schemas.openxmlformats.org/markup-compatibility/2006">
               <mc:Choice xmlns:v="urn:schemas-microsoft-com:vml" Requires="v">
-                <p:oleObj spid="_x0000_s372808" name="think-cell Slide" r:id="rId5" imgW="270" imgH="270" progId="TCLayout.ActiveDocument.1">
+                <p:oleObj spid="_x0000_s372810" name="think-cell Slide" r:id="rId5" imgW="270" imgH="270" progId="TCLayout.ActiveDocument.1">
                   <p:embed/>
                 </p:oleObj>
               </mc:Choice>
